--- a/Präsentation/DezHex(Serhiy).pptx
+++ b/Präsentation/DezHex(Serhiy).pptx
@@ -128,7 +128,7 @@
   </p:defaultTextStyle>
   <p:extLst>
     <p:ext uri="{EFAFB233-063F-42B5-8137-9DF3F51BA10A}">
-      <p15:sldGuideLst xmlns:p15="http://schemas.microsoft.com/office/powerpoint/2012/main" xmlns=""/>
+      <p15:sldGuideLst xmlns="" xmlns:p15="http://schemas.microsoft.com/office/powerpoint/2012/main"/>
     </p:ext>
   </p:extLst>
 </p:presentation>
@@ -320,7 +320,7 @@
     </p:spTree>
     <p:extLst>
       <p:ext uri="{BB962C8B-B14F-4D97-AF65-F5344CB8AC3E}">
-        <p14:creationId xmlns:p14="http://schemas.microsoft.com/office/powerpoint/2010/main" xmlns="" val="1503153246"/>
+        <p14:creationId xmlns="" xmlns:p14="http://schemas.microsoft.com/office/powerpoint/2010/main" val="1503153246"/>
       </p:ext>
     </p:extLst>
   </p:cSld>
@@ -490,7 +490,7 @@
     </p:spTree>
     <p:extLst>
       <p:ext uri="{BB962C8B-B14F-4D97-AF65-F5344CB8AC3E}">
-        <p14:creationId xmlns:p14="http://schemas.microsoft.com/office/powerpoint/2010/main" xmlns="" val="3708998975"/>
+        <p14:creationId xmlns="" xmlns:p14="http://schemas.microsoft.com/office/powerpoint/2010/main" val="3708998975"/>
       </p:ext>
     </p:extLst>
   </p:cSld>
@@ -670,7 +670,7 @@
     </p:spTree>
     <p:extLst>
       <p:ext uri="{BB962C8B-B14F-4D97-AF65-F5344CB8AC3E}">
-        <p14:creationId xmlns:p14="http://schemas.microsoft.com/office/powerpoint/2010/main" xmlns="" val="4267691367"/>
+        <p14:creationId xmlns="" xmlns:p14="http://schemas.microsoft.com/office/powerpoint/2010/main" val="4267691367"/>
       </p:ext>
     </p:extLst>
   </p:cSld>
@@ -840,7 +840,7 @@
     </p:spTree>
     <p:extLst>
       <p:ext uri="{BB962C8B-B14F-4D97-AF65-F5344CB8AC3E}">
-        <p14:creationId xmlns:p14="http://schemas.microsoft.com/office/powerpoint/2010/main" xmlns="" val="3209214479"/>
+        <p14:creationId xmlns="" xmlns:p14="http://schemas.microsoft.com/office/powerpoint/2010/main" val="3209214479"/>
       </p:ext>
     </p:extLst>
   </p:cSld>
@@ -1087,7 +1087,7 @@
     </p:spTree>
     <p:extLst>
       <p:ext uri="{BB962C8B-B14F-4D97-AF65-F5344CB8AC3E}">
-        <p14:creationId xmlns:p14="http://schemas.microsoft.com/office/powerpoint/2010/main" xmlns="" val="3671498951"/>
+        <p14:creationId xmlns="" xmlns:p14="http://schemas.microsoft.com/office/powerpoint/2010/main" val="3671498951"/>
       </p:ext>
     </p:extLst>
   </p:cSld>
@@ -1318,7 +1318,7 @@
     </p:spTree>
     <p:extLst>
       <p:ext uri="{BB962C8B-B14F-4D97-AF65-F5344CB8AC3E}">
-        <p14:creationId xmlns:p14="http://schemas.microsoft.com/office/powerpoint/2010/main" xmlns="" val="1133124998"/>
+        <p14:creationId xmlns="" xmlns:p14="http://schemas.microsoft.com/office/powerpoint/2010/main" val="1133124998"/>
       </p:ext>
     </p:extLst>
   </p:cSld>
@@ -1684,7 +1684,7 @@
     </p:spTree>
     <p:extLst>
       <p:ext uri="{BB962C8B-B14F-4D97-AF65-F5344CB8AC3E}">
-        <p14:creationId xmlns:p14="http://schemas.microsoft.com/office/powerpoint/2010/main" xmlns="" val="3456305447"/>
+        <p14:creationId xmlns="" xmlns:p14="http://schemas.microsoft.com/office/powerpoint/2010/main" val="3456305447"/>
       </p:ext>
     </p:extLst>
   </p:cSld>
@@ -1803,7 +1803,7 @@
     </p:spTree>
     <p:extLst>
       <p:ext uri="{BB962C8B-B14F-4D97-AF65-F5344CB8AC3E}">
-        <p14:creationId xmlns:p14="http://schemas.microsoft.com/office/powerpoint/2010/main" xmlns="" val="3221192367"/>
+        <p14:creationId xmlns="" xmlns:p14="http://schemas.microsoft.com/office/powerpoint/2010/main" val="3221192367"/>
       </p:ext>
     </p:extLst>
   </p:cSld>
@@ -1900,7 +1900,7 @@
     </p:spTree>
     <p:extLst>
       <p:ext uri="{BB962C8B-B14F-4D97-AF65-F5344CB8AC3E}">
-        <p14:creationId xmlns:p14="http://schemas.microsoft.com/office/powerpoint/2010/main" xmlns="" val="1610288807"/>
+        <p14:creationId xmlns="" xmlns:p14="http://schemas.microsoft.com/office/powerpoint/2010/main" val="1610288807"/>
       </p:ext>
     </p:extLst>
   </p:cSld>
@@ -2177,7 +2177,7 @@
     </p:spTree>
     <p:extLst>
       <p:ext uri="{BB962C8B-B14F-4D97-AF65-F5344CB8AC3E}">
-        <p14:creationId xmlns:p14="http://schemas.microsoft.com/office/powerpoint/2010/main" xmlns="" val="1148837200"/>
+        <p14:creationId xmlns="" xmlns:p14="http://schemas.microsoft.com/office/powerpoint/2010/main" val="1148837200"/>
       </p:ext>
     </p:extLst>
   </p:cSld>
@@ -2431,7 +2431,7 @@
     </p:spTree>
     <p:extLst>
       <p:ext uri="{BB962C8B-B14F-4D97-AF65-F5344CB8AC3E}">
-        <p14:creationId xmlns:p14="http://schemas.microsoft.com/office/powerpoint/2010/main" xmlns="" val="873387248"/>
+        <p14:creationId xmlns="" xmlns:p14="http://schemas.microsoft.com/office/powerpoint/2010/main" val="873387248"/>
       </p:ext>
     </p:extLst>
   </p:cSld>
@@ -2680,7 +2680,7 @@
     </p:spTree>
     <p:extLst>
       <p:ext uri="{BB962C8B-B14F-4D97-AF65-F5344CB8AC3E}">
-        <p14:creationId xmlns:p14="http://schemas.microsoft.com/office/powerpoint/2010/main" xmlns="" val="4186598136"/>
+        <p14:creationId xmlns="" xmlns:p14="http://schemas.microsoft.com/office/powerpoint/2010/main" val="4186598136"/>
       </p:ext>
     </p:extLst>
   </p:cSld>
@@ -3103,7 +3103,7 @@
           <a:blip r:embed="rId2" cstate="print">
             <a:extLst>
               <a:ext uri="{28A0092B-C50C-407E-A947-70E740481C1C}">
-                <a14:useLocalDpi xmlns:a14="http://schemas.microsoft.com/office/drawing/2010/main" xmlns="" val="0"/>
+                <a14:useLocalDpi xmlns="" xmlns:a14="http://schemas.microsoft.com/office/drawing/2010/main" val="0"/>
               </a:ext>
             </a:extLst>
           </a:blip>
@@ -3251,7 +3251,7 @@
     </p:spTree>
     <p:extLst>
       <p:ext uri="{BB962C8B-B14F-4D97-AF65-F5344CB8AC3E}">
-        <p14:creationId xmlns:p14="http://schemas.microsoft.com/office/powerpoint/2010/main" xmlns="" val="1009586799"/>
+        <p14:creationId xmlns="" xmlns:p14="http://schemas.microsoft.com/office/powerpoint/2010/main" val="1009586799"/>
       </p:ext>
     </p:extLst>
   </p:cSld>
@@ -3787,7 +3787,7 @@
           <a:blip r:embed="rId2" cstate="print">
             <a:extLst>
               <a:ext uri="{28A0092B-C50C-407E-A947-70E740481C1C}">
-                <a14:useLocalDpi xmlns:a14="http://schemas.microsoft.com/office/drawing/2010/main" xmlns="" val="0"/>
+                <a14:useLocalDpi xmlns="" xmlns:a14="http://schemas.microsoft.com/office/drawing/2010/main" val="0"/>
               </a:ext>
             </a:extLst>
           </a:blip>
@@ -3869,7 +3869,7 @@
     </p:spTree>
     <p:extLst>
       <p:ext uri="{BB962C8B-B14F-4D97-AF65-F5344CB8AC3E}">
-        <p14:creationId xmlns:p14="http://schemas.microsoft.com/office/powerpoint/2010/main" xmlns="" val="3592684440"/>
+        <p14:creationId xmlns="" xmlns:p14="http://schemas.microsoft.com/office/powerpoint/2010/main" val="3592684440"/>
       </p:ext>
     </p:extLst>
   </p:cSld>
@@ -3952,7 +3952,41 @@
           <a:bodyPr/>
           <a:lstStyle/>
           <a:p>
-            <a:endParaRPr lang="de-DE" dirty="0"/>
+            <a:r>
+              <a:rPr lang="de-DE" dirty="0" err="1" smtClean="0"/>
+              <a:t>JSmooth</a:t>
+            </a:r>
+            <a:endParaRPr lang="de-DE" dirty="0" smtClean="0"/>
+          </a:p>
+          <a:p>
+            <a:pPr>
+              <a:buNone/>
+            </a:pPr>
+            <a:r>
+              <a:rPr lang="de-DE" dirty="0" smtClean="0"/>
+              <a:t>Download link</a:t>
+            </a:r>
+            <a:r>
+              <a:rPr lang="de-DE" dirty="0" smtClean="0"/>
+              <a:t>: </a:t>
+            </a:r>
+            <a:r>
+              <a:rPr lang="de-DE" dirty="0" smtClean="0">
+                <a:solidFill>
+                  <a:schemeClr val="accent1">
+                    <a:lumMod val="75000"/>
+                  </a:schemeClr>
+                </a:solidFill>
+              </a:rPr>
+              <a:t>http://jsmooth.sourceforge.net/download.php</a:t>
+            </a:r>
+            <a:endParaRPr lang="de-DE" dirty="0">
+              <a:solidFill>
+                <a:schemeClr val="accent1">
+                  <a:lumMod val="75000"/>
+                </a:schemeClr>
+              </a:solidFill>
+            </a:endParaRPr>
           </a:p>
         </p:txBody>
       </p:sp>
@@ -3968,7 +4002,7 @@
           <a:blip r:embed="rId2" cstate="print">
             <a:extLst>
               <a:ext uri="{28A0092B-C50C-407E-A947-70E740481C1C}">
-                <a14:useLocalDpi xmlns:a14="http://schemas.microsoft.com/office/drawing/2010/main" xmlns="" val="0"/>
+                <a14:useLocalDpi xmlns="" xmlns:a14="http://schemas.microsoft.com/office/drawing/2010/main" val="0"/>
               </a:ext>
             </a:extLst>
           </a:blip>
@@ -4047,10 +4081,36 @@
           </a:fontRef>
         </p:style>
       </p:cxnSp>
+      <p:pic>
+        <p:nvPicPr>
+          <p:cNvPr id="1026" name="Picture 2" descr="C:\Users\Serhiy\Desktop\download.png"/>
+          <p:cNvPicPr>
+            <a:picLocks noChangeAspect="1" noChangeArrowheads="1"/>
+          </p:cNvPicPr>
+          <p:nvPr/>
+        </p:nvPicPr>
+        <p:blipFill>
+          <a:blip r:embed="rId3" cstate="print"/>
+          <a:srcRect/>
+          <a:stretch>
+            <a:fillRect/>
+          </a:stretch>
+        </p:blipFill>
+        <p:spPr bwMode="auto">
+          <a:xfrm>
+            <a:off x="8210062" y="2773973"/>
+            <a:ext cx="1962150" cy="781050"/>
+          </a:xfrm>
+          <a:prstGeom prst="rect">
+            <a:avLst/>
+          </a:prstGeom>
+          <a:noFill/>
+        </p:spPr>
+      </p:pic>
     </p:spTree>
     <p:extLst>
       <p:ext uri="{BB962C8B-B14F-4D97-AF65-F5344CB8AC3E}">
-        <p14:creationId xmlns:p14="http://schemas.microsoft.com/office/powerpoint/2010/main" xmlns="" val="1925289598"/>
+        <p14:creationId xmlns="" xmlns:p14="http://schemas.microsoft.com/office/powerpoint/2010/main" val="1925289598"/>
       </p:ext>
     </p:extLst>
   </p:cSld>
@@ -4710,7 +4770,7 @@
           <a:blip r:embed="rId2" cstate="print">
             <a:extLst>
               <a:ext uri="{28A0092B-C50C-407E-A947-70E740481C1C}">
-                <a14:useLocalDpi xmlns:a14="http://schemas.microsoft.com/office/drawing/2010/main" xmlns="" val="0"/>
+                <a14:useLocalDpi xmlns="" xmlns:a14="http://schemas.microsoft.com/office/drawing/2010/main" val="0"/>
               </a:ext>
             </a:extLst>
           </a:blip>
@@ -4792,7 +4852,7 @@
     </p:spTree>
     <p:extLst>
       <p:ext uri="{BB962C8B-B14F-4D97-AF65-F5344CB8AC3E}">
-        <p14:creationId xmlns:p14="http://schemas.microsoft.com/office/powerpoint/2010/main" xmlns="" val="438102538"/>
+        <p14:creationId xmlns="" xmlns:p14="http://schemas.microsoft.com/office/powerpoint/2010/main" val="438102538"/>
       </p:ext>
     </p:extLst>
   </p:cSld>
@@ -5218,7 +5278,7 @@
           <a:blip r:embed="rId2" cstate="print">
             <a:extLst>
               <a:ext uri="{28A0092B-C50C-407E-A947-70E740481C1C}">
-                <a14:useLocalDpi xmlns:a14="http://schemas.microsoft.com/office/drawing/2010/main" xmlns="" val="0"/>
+                <a14:useLocalDpi xmlns="" xmlns:a14="http://schemas.microsoft.com/office/drawing/2010/main" val="0"/>
               </a:ext>
             </a:extLst>
           </a:blip>
@@ -5300,7 +5360,7 @@
     </p:spTree>
     <p:extLst>
       <p:ext uri="{BB962C8B-B14F-4D97-AF65-F5344CB8AC3E}">
-        <p14:creationId xmlns:p14="http://schemas.microsoft.com/office/powerpoint/2010/main" xmlns="" val="4074636198"/>
+        <p14:creationId xmlns="" xmlns:p14="http://schemas.microsoft.com/office/powerpoint/2010/main" val="4074636198"/>
       </p:ext>
     </p:extLst>
   </p:cSld>
@@ -5399,7 +5459,7 @@
           <a:blip r:embed="rId2" cstate="print">
             <a:extLst>
               <a:ext uri="{28A0092B-C50C-407E-A947-70E740481C1C}">
-                <a14:useLocalDpi xmlns:a14="http://schemas.microsoft.com/office/drawing/2010/main" xmlns="" val="0"/>
+                <a14:useLocalDpi xmlns="" xmlns:a14="http://schemas.microsoft.com/office/drawing/2010/main" val="0"/>
               </a:ext>
             </a:extLst>
           </a:blip>
@@ -5481,7 +5541,7 @@
     </p:spTree>
     <p:extLst>
       <p:ext uri="{BB962C8B-B14F-4D97-AF65-F5344CB8AC3E}">
-        <p14:creationId xmlns:p14="http://schemas.microsoft.com/office/powerpoint/2010/main" xmlns="" val="2224783866"/>
+        <p14:creationId xmlns="" xmlns:p14="http://schemas.microsoft.com/office/powerpoint/2010/main" val="2224783866"/>
       </p:ext>
     </p:extLst>
   </p:cSld>
@@ -5584,7 +5644,7 @@
           <a:blip r:embed="rId3" cstate="print">
             <a:extLst>
               <a:ext uri="{28A0092B-C50C-407E-A947-70E740481C1C}">
-                <a14:useLocalDpi xmlns:a14="http://schemas.microsoft.com/office/drawing/2010/main" xmlns="" val="0"/>
+                <a14:useLocalDpi xmlns="" xmlns:a14="http://schemas.microsoft.com/office/drawing/2010/main" val="0"/>
               </a:ext>
             </a:extLst>
           </a:blip>
@@ -5666,7 +5726,7 @@
     </p:spTree>
     <p:extLst>
       <p:ext uri="{BB962C8B-B14F-4D97-AF65-F5344CB8AC3E}">
-        <p14:creationId xmlns:p14="http://schemas.microsoft.com/office/powerpoint/2010/main" xmlns="" val="1787357985"/>
+        <p14:creationId xmlns="" xmlns:p14="http://schemas.microsoft.com/office/powerpoint/2010/main" val="1787357985"/>
       </p:ext>
     </p:extLst>
   </p:cSld>
@@ -6137,7 +6197,7 @@
           <a:blip r:embed="rId2" cstate="print">
             <a:extLst>
               <a:ext uri="{28A0092B-C50C-407E-A947-70E740481C1C}">
-                <a14:useLocalDpi xmlns:a14="http://schemas.microsoft.com/office/drawing/2010/main" xmlns="" val="0"/>
+                <a14:useLocalDpi xmlns="" xmlns:a14="http://schemas.microsoft.com/office/drawing/2010/main" val="0"/>
               </a:ext>
             </a:extLst>
           </a:blip>
@@ -6219,7 +6279,7 @@
     </p:spTree>
     <p:extLst>
       <p:ext uri="{BB962C8B-B14F-4D97-AF65-F5344CB8AC3E}">
-        <p14:creationId xmlns:p14="http://schemas.microsoft.com/office/powerpoint/2010/main" xmlns="" val="1581545210"/>
+        <p14:creationId xmlns="" xmlns:p14="http://schemas.microsoft.com/office/powerpoint/2010/main" val="1581545210"/>
       </p:ext>
     </p:extLst>
   </p:cSld>
@@ -6491,7 +6551,7 @@
   <a:extraClrSchemeLst/>
   <a:extLst>
     <a:ext uri="{05A4C25C-085E-4340-85A3-A5531E510DB2}">
-      <thm15:themeFamily xmlns:thm15="http://schemas.microsoft.com/office/thememl/2012/main" xmlns="" name="Office Theme" id="{62F939B6-93AF-4DB8-9C6B-D6C7DFDC589F}" vid="{4A3C46E8-61CC-4603-A589-7422A47A8E4A}"/>
+      <thm15:themeFamily xmlns="" xmlns:thm15="http://schemas.microsoft.com/office/thememl/2012/main" name="Office Theme" id="{62F939B6-93AF-4DB8-9C6B-D6C7DFDC589F}" vid="{4A3C46E8-61CC-4603-A589-7422A47A8E4A}"/>
     </a:ext>
   </a:extLst>
 </a:theme>
